--- a/Topicos - Interpretacao e Incerteza em RNA.pptx
+++ b/Topicos - Interpretacao e Incerteza em RNA.pptx
@@ -12,19 +12,20 @@
     <p:sldId id="264" r:id="rId6"/>
     <p:sldId id="266" r:id="rId7"/>
     <p:sldId id="270" r:id="rId8"/>
-    <p:sldId id="267" r:id="rId9"/>
-    <p:sldId id="259" r:id="rId10"/>
-    <p:sldId id="271" r:id="rId11"/>
-    <p:sldId id="273" r:id="rId12"/>
-    <p:sldId id="268" r:id="rId13"/>
-    <p:sldId id="269" r:id="rId14"/>
-    <p:sldId id="272" r:id="rId15"/>
-    <p:sldId id="276" r:id="rId16"/>
-    <p:sldId id="274" r:id="rId17"/>
-    <p:sldId id="275" r:id="rId18"/>
-    <p:sldId id="277" r:id="rId19"/>
-    <p:sldId id="260" r:id="rId20"/>
-    <p:sldId id="263" r:id="rId21"/>
+    <p:sldId id="278" r:id="rId9"/>
+    <p:sldId id="267" r:id="rId10"/>
+    <p:sldId id="259" r:id="rId11"/>
+    <p:sldId id="271" r:id="rId12"/>
+    <p:sldId id="273" r:id="rId13"/>
+    <p:sldId id="268" r:id="rId14"/>
+    <p:sldId id="269" r:id="rId15"/>
+    <p:sldId id="272" r:id="rId16"/>
+    <p:sldId id="276" r:id="rId17"/>
+    <p:sldId id="274" r:id="rId18"/>
+    <p:sldId id="275" r:id="rId19"/>
+    <p:sldId id="277" r:id="rId20"/>
+    <p:sldId id="260" r:id="rId21"/>
+    <p:sldId id="263" r:id="rId22"/>
   </p:sldIdLst>
   <p:sldSz cx="12192000" cy="6858000"/>
   <p:notesSz cx="6858000" cy="9144000"/>
@@ -138,6 +139,7 @@
     <p1510:client id="{2A148CB0-4211-6D45-DBD7-8723B7828038}" v="1769" dt="2021-05-17T18:45:55.640"/>
     <p1510:client id="{2BE02FC1-C5F4-422F-963D-0FCC7D05CF1D}" v="2748" dt="2021-05-18T03:52:09.816"/>
     <p1510:client id="{48D0D5AF-50CD-D6D5-6B26-E6C310390646}" v="232" dt="2021-05-18T00:47:30.969"/>
+    <p1510:client id="{5112B2AF-EBA8-2110-C37B-A4C9771D9A0C}" v="81" dt="2021-05-18T16:40:44.423"/>
     <p1510:client id="{B3BEAD01-3DC4-471A-914A-CB38BBBCDC41}" v="13" dt="2021-05-16T19:55:06.817"/>
     <p1510:client id="{BC15883A-6344-4DCB-8C72-39D18338A91F}" v="831" dt="2021-05-16T21:44:31.675"/>
     <p1510:client id="{CB1DA0EE-B616-6BB4-EADD-23355ED1AD9E}" v="797" dt="2021-05-17T23:29:37.280"/>
@@ -8295,7 +8297,7 @@
           <a:p>
             <a:fld id="{ACF1A1B0-862D-4909-A7DB-D8ADA062DFCA}" type="datetimeFigureOut">
               <a:rPr lang="en-US" dirty="0"/>
-              <a:t>5/17/2021</a:t>
+              <a:t>5/18/2021</a:t>
             </a:fld>
             <a:endParaRPr lang="en-US"/>
           </a:p>
@@ -8518,7 +8520,7 @@
           <a:p>
             <a:fld id="{7B156144-9CB7-4E3A-B87E-A382F9BE05EF}" type="datetimeFigureOut">
               <a:rPr lang="en-US" dirty="0"/>
-              <a:t>5/17/2021</a:t>
+              <a:t>5/18/2021</a:t>
             </a:fld>
             <a:endParaRPr lang="en-US"/>
           </a:p>
@@ -8966,7 +8968,7 @@
           <a:p>
             <a:fld id="{1BA7A723-92A7-435B-B681-F25B092FEFEB}" type="datetimeFigureOut">
               <a:rPr lang="en-US" dirty="0"/>
-              <a:t>5/17/2021</a:t>
+              <a:t>5/18/2021</a:t>
             </a:fld>
             <a:endParaRPr lang="en-US"/>
           </a:p>
@@ -9144,7 +9146,7 @@
           <a:p>
             <a:fld id="{2643D55F-46AB-4791-9172-4FA8DD3A6A9C}" type="datetimeFigureOut">
               <a:rPr lang="en-US" dirty="0"/>
-              <a:t>5/17/2021</a:t>
+              <a:t>5/18/2021</a:t>
             </a:fld>
             <a:endParaRPr lang="en-US"/>
           </a:p>
@@ -9312,7 +9314,7 @@
           <a:p>
             <a:fld id="{58026881-8A08-449C-8D73-E5F201F814C1}" type="datetimeFigureOut">
               <a:rPr lang="en-US" dirty="0"/>
-              <a:t>5/17/2021</a:t>
+              <a:t>5/18/2021</a:t>
             </a:fld>
             <a:endParaRPr lang="en-US"/>
           </a:p>
@@ -9602,7 +9604,7 @@
           <a:p>
             <a:fld id="{1BEB5A5E-0C07-4E93-A112-D37B4D166B30}" type="datetimeFigureOut">
               <a:rPr lang="en-US" dirty="0"/>
-              <a:t>5/17/2021</a:t>
+              <a:t>5/18/2021</a:t>
             </a:fld>
             <a:endParaRPr lang="en-US"/>
           </a:p>
@@ -9925,7 +9927,7 @@
           <a:p>
             <a:fld id="{9E1F71C5-DC57-4358-A1EA-30C08AF6E3C5}" type="datetimeFigureOut">
               <a:rPr lang="en-US" dirty="0"/>
-              <a:t>5/17/2021</a:t>
+              <a:t>5/18/2021</a:t>
             </a:fld>
             <a:endParaRPr lang="en-US"/>
           </a:p>
@@ -10334,7 +10336,7 @@
           <a:p>
             <a:fld id="{12571DBA-DE60-4731-B773-47AAA185C143}" type="datetimeFigureOut">
               <a:rPr lang="en-US" dirty="0"/>
-              <a:t>5/17/2021</a:t>
+              <a:t>5/18/2021</a:t>
             </a:fld>
             <a:endParaRPr lang="en-US"/>
           </a:p>
@@ -10451,7 +10453,7 @@
           <a:p>
             <a:fld id="{4F170639-886C-4FCF-9EAB-ABB5DA3F3F4A}" type="datetimeFigureOut">
               <a:rPr lang="en-US" dirty="0"/>
-              <a:t>5/17/2021</a:t>
+              <a:t>5/18/2021</a:t>
             </a:fld>
             <a:endParaRPr lang="en-US"/>
           </a:p>
@@ -10546,7 +10548,7 @@
           <a:p>
             <a:fld id="{34C4A628-C83B-4C66-83F4-1711CE3738FD}" type="datetimeFigureOut">
               <a:rPr lang="en-US" dirty="0"/>
-              <a:t>5/17/2021</a:t>
+              <a:t>5/18/2021</a:t>
             </a:fld>
             <a:endParaRPr lang="en-US"/>
           </a:p>
@@ -10831,7 +10833,7 @@
           <a:p>
             <a:fld id="{B88C1D73-9400-43CA-A37F-F9B7D00DE14C}" type="datetimeFigureOut">
               <a:rPr lang="en-US" dirty="0"/>
-              <a:t>5/17/2021</a:t>
+              <a:t>5/18/2021</a:t>
             </a:fld>
             <a:endParaRPr lang="en-US"/>
           </a:p>
@@ -11103,7 +11105,7 @@
           <a:p>
             <a:fld id="{188B7711-B905-4633-B4D7-6F3A49A2E7D9}" type="datetimeFigureOut">
               <a:rPr lang="en-US" dirty="0"/>
-              <a:t>5/17/2021</a:t>
+              <a:t>5/18/2021</a:t>
             </a:fld>
             <a:endParaRPr lang="en-US"/>
           </a:p>
@@ -11353,7 +11355,7 @@
             <a:fld id="{89C235CF-BDA2-4E7E-8BBD-350479985E74}" type="datetimeFigureOut">
               <a:rPr lang="en-US" dirty="0"/>
               <a:pPr/>
-              <a:t>5/17/2021</a:t>
+              <a:t>5/18/2021</a:t>
             </a:fld>
             <a:endParaRPr lang="en-US"/>
           </a:p>
@@ -11870,7 +11872,7 @@
           <a:p>
             <a:pPr algn="ctr"/>
             <a:r>
-              <a:rPr lang="en-US" sz="6600" dirty="0">
+              <a:rPr lang="en-US" sz="6600">
                 <a:cs typeface="Arial"/>
               </a:rPr>
               <a:t>Interpretação </a:t>
@@ -11882,13 +11884,13 @@
               <a:t>Incerteza</a:t>
             </a:r>
             <a:r>
-              <a:rPr lang="en-US" sz="6600" dirty="0">
+              <a:rPr lang="en-US" sz="6600">
                 <a:cs typeface="Arial"/>
               </a:rPr>
               <a:t> </a:t>
             </a:r>
             <a:br>
-              <a:rPr lang="en-US" sz="6600" dirty="0">
+              <a:rPr lang="en-US" sz="6600">
                 <a:cs typeface="Arial"/>
               </a:rPr>
             </a:br>
@@ -11899,7 +11901,7 @@
               <a:t>em</a:t>
             </a:r>
             <a:br>
-              <a:rPr lang="en-US" sz="6600" dirty="0">
+              <a:rPr lang="en-US" sz="6600">
                 <a:cs typeface="Arial"/>
               </a:rPr>
             </a:br>
@@ -11909,7 +11911,7 @@
               </a:rPr>
               <a:t>RNA</a:t>
             </a:r>
-            <a:endParaRPr lang="en-US" sz="6600" dirty="0"/>
+            <a:endParaRPr lang="en-US" sz="6600"/>
           </a:p>
         </p:txBody>
       </p:sp>
@@ -12021,6 +12023,103 @@
         <p:spPr>
           <a:xfrm>
             <a:off x="1261872" y="365760"/>
+            <a:ext cx="8595195" cy="1325562"/>
+          </a:xfrm>
+        </p:spPr>
+        <p:txBody>
+          <a:bodyPr vert="horz" lIns="91440" tIns="45720" rIns="91440" bIns="45720" rtlCol="0" anchor="ctr">
+            <a:normAutofit/>
+          </a:bodyPr>
+          <a:lstStyle/>
+          <a:p>
+            <a:pPr algn="ctr"/>
+            <a:r>
+              <a:rPr lang="pt-BR"/>
+              <a:t>Medição de Incerteza</a:t>
+            </a:r>
+          </a:p>
+        </p:txBody>
+      </p:sp>
+      <p:graphicFrame>
+        <p:nvGraphicFramePr>
+          <p:cNvPr id="6" name="Espaço Reservado para Conteúdo 2">
+            <a:extLst>
+              <a:ext uri="{FF2B5EF4-FFF2-40B4-BE49-F238E27FC236}">
+                <a16:creationId xmlns:a16="http://schemas.microsoft.com/office/drawing/2014/main" id="{E95554FE-7498-412B-8B86-42008355C6F4}"/>
+              </a:ext>
+            </a:extLst>
+          </p:cNvPr>
+          <p:cNvGraphicFramePr>
+            <a:graphicFrameLocks noGrp="1"/>
+          </p:cNvGraphicFramePr>
+          <p:nvPr>
+            <p:ph idx="1"/>
+            <p:extLst>
+              <p:ext uri="{D42A27DB-BD31-4B8C-83A1-F6EECF244321}">
+                <p14:modId xmlns:p14="http://schemas.microsoft.com/office/powerpoint/2010/main" val="3909476778"/>
+              </p:ext>
+            </p:extLst>
+          </p:nvPr>
+        </p:nvGraphicFramePr>
+        <p:xfrm>
+          <a:off x="1261872" y="1828800"/>
+          <a:ext cx="8595360" cy="4351337"/>
+        </p:xfrm>
+        <a:graphic>
+          <a:graphicData uri="http://schemas.openxmlformats.org/drawingml/2006/diagram">
+            <dgm:relIds xmlns:dgm="http://schemas.openxmlformats.org/drawingml/2006/diagram" xmlns:r="http://schemas.openxmlformats.org/officeDocument/2006/relationships" r:dm="rId2" r:lo="rId3" r:qs="rId4" r:cs="rId5"/>
+          </a:graphicData>
+        </a:graphic>
+      </p:graphicFrame>
+    </p:spTree>
+    <p:extLst>
+      <p:ext uri="{BB962C8B-B14F-4D97-AF65-F5344CB8AC3E}">
+        <p14:creationId xmlns:p14="http://schemas.microsoft.com/office/powerpoint/2010/main" val="3593911700"/>
+      </p:ext>
+    </p:extLst>
+  </p:cSld>
+  <p:clrMapOvr>
+    <a:masterClrMapping/>
+  </p:clrMapOvr>
+</p:sld>
+</file>
+
+<file path=ppt/slides/slide11.xml><?xml version="1.0" encoding="utf-8"?>
+<p:sld xmlns:a="http://schemas.openxmlformats.org/drawingml/2006/main" xmlns:r="http://schemas.openxmlformats.org/officeDocument/2006/relationships" xmlns:p="http://schemas.openxmlformats.org/presentationml/2006/main">
+  <p:cSld>
+    <p:spTree>
+      <p:nvGrpSpPr>
+        <p:cNvPr id="1" name=""/>
+        <p:cNvGrpSpPr/>
+        <p:nvPr/>
+      </p:nvGrpSpPr>
+      <p:grpSpPr>
+        <a:xfrm>
+          <a:off x="0" y="0"/>
+          <a:ext cx="0" cy="0"/>
+          <a:chOff x="0" y="0"/>
+          <a:chExt cx="0" cy="0"/>
+        </a:xfrm>
+      </p:grpSpPr>
+      <p:sp>
+        <p:nvSpPr>
+          <p:cNvPr id="2" name="Título 1">
+            <a:extLst>
+              <a:ext uri="{FF2B5EF4-FFF2-40B4-BE49-F238E27FC236}">
+                <a16:creationId xmlns:a16="http://schemas.microsoft.com/office/drawing/2014/main" id="{8F03A333-F885-455D-9B13-AA7BF7BEEBB1}"/>
+              </a:ext>
+            </a:extLst>
+          </p:cNvPr>
+          <p:cNvSpPr>
+            <a:spLocks noGrp="1"/>
+          </p:cNvSpPr>
+          <p:nvPr>
+            <p:ph type="title"/>
+          </p:nvPr>
+        </p:nvSpPr>
+        <p:spPr>
+          <a:xfrm>
+            <a:off x="1261872" y="365760"/>
             <a:ext cx="8735999" cy="1325562"/>
           </a:xfrm>
         </p:spPr>
@@ -12091,7 +12190,7 @@
                 <a:srgbClr val="8AD0D6"/>
               </a:buClr>
             </a:pPr>
-            <a:endParaRPr lang="pt-BR" dirty="0"/>
+            <a:endParaRPr lang="pt-BR"/>
           </a:p>
           <a:p>
             <a:pPr>
@@ -12220,7 +12319,7 @@
 </p:sld>
 </file>
 
-<file path=ppt/slides/slide11.xml><?xml version="1.0" encoding="utf-8"?>
+<file path=ppt/slides/slide12.xml><?xml version="1.0" encoding="utf-8"?>
 <p:sld xmlns:a="http://schemas.openxmlformats.org/drawingml/2006/main" xmlns:r="http://schemas.openxmlformats.org/officeDocument/2006/relationships" xmlns:p="http://schemas.openxmlformats.org/presentationml/2006/main">
   <p:cSld>
     <p:spTree>
@@ -12320,7 +12419,7 @@
 </p:sld>
 </file>
 
-<file path=ppt/slides/slide12.xml><?xml version="1.0" encoding="utf-8"?>
+<file path=ppt/slides/slide13.xml><?xml version="1.0" encoding="utf-8"?>
 <p:sld xmlns:a="http://schemas.openxmlformats.org/drawingml/2006/main" xmlns:r="http://schemas.openxmlformats.org/officeDocument/2006/relationships" xmlns:p="http://schemas.openxmlformats.org/presentationml/2006/main">
   <p:cSld>
     <p:spTree>
@@ -12412,7 +12511,7 @@
 </p:sld>
 </file>
 
-<file path=ppt/slides/slide13.xml><?xml version="1.0" encoding="utf-8"?>
+<file path=ppt/slides/slide14.xml><?xml version="1.0" encoding="utf-8"?>
 <p:sld xmlns:a="http://schemas.openxmlformats.org/drawingml/2006/main" xmlns:r="http://schemas.openxmlformats.org/officeDocument/2006/relationships" xmlns:p="http://schemas.openxmlformats.org/presentationml/2006/main">
   <p:cSld>
     <p:spTree>
@@ -12618,7 +12717,7 @@
 </p:sld>
 </file>
 
-<file path=ppt/slides/slide14.xml><?xml version="1.0" encoding="utf-8"?>
+<file path=ppt/slides/slide15.xml><?xml version="1.0" encoding="utf-8"?>
 <p:sld xmlns:a="http://schemas.openxmlformats.org/drawingml/2006/main" xmlns:r="http://schemas.openxmlformats.org/officeDocument/2006/relationships" xmlns:p="http://schemas.openxmlformats.org/presentationml/2006/main">
   <p:cSld>
     <p:spTree>
@@ -12713,7 +12812,7 @@
 </p:sld>
 </file>
 
-<file path=ppt/slides/slide15.xml><?xml version="1.0" encoding="utf-8"?>
+<file path=ppt/slides/slide16.xml><?xml version="1.0" encoding="utf-8"?>
 <p:sld xmlns:a="http://schemas.openxmlformats.org/drawingml/2006/main" xmlns:r="http://schemas.openxmlformats.org/officeDocument/2006/relationships" xmlns:p="http://schemas.openxmlformats.org/presentationml/2006/main">
   <p:cSld>
     <p:spTree>
@@ -12926,7 +13025,7 @@
 </p:sld>
 </file>
 
-<file path=ppt/slides/slide16.xml><?xml version="1.0" encoding="utf-8"?>
+<file path=ppt/slides/slide17.xml><?xml version="1.0" encoding="utf-8"?>
 <p:sld xmlns:a="http://schemas.openxmlformats.org/drawingml/2006/main" xmlns:r="http://schemas.openxmlformats.org/officeDocument/2006/relationships" xmlns:p="http://schemas.openxmlformats.org/presentationml/2006/main">
   <p:cSld>
     <p:spTree>
@@ -13120,7 +13219,7 @@
 </p:sld>
 </file>
 
-<file path=ppt/slides/slide17.xml><?xml version="1.0" encoding="utf-8"?>
+<file path=ppt/slides/slide18.xml><?xml version="1.0" encoding="utf-8"?>
 <p:sld xmlns:a="http://schemas.openxmlformats.org/drawingml/2006/main" xmlns:r="http://schemas.openxmlformats.org/officeDocument/2006/relationships" xmlns:p="http://schemas.openxmlformats.org/presentationml/2006/main">
   <p:cSld>
     <p:bg>
@@ -13344,7 +13443,7 @@
 </p:sld>
 </file>
 
-<file path=ppt/slides/slide18.xml><?xml version="1.0" encoding="utf-8"?>
+<file path=ppt/slides/slide19.xml><?xml version="1.0" encoding="utf-8"?>
 <p:sld xmlns:a="http://schemas.openxmlformats.org/drawingml/2006/main" xmlns:r="http://schemas.openxmlformats.org/officeDocument/2006/relationships" xmlns:p="http://schemas.openxmlformats.org/presentationml/2006/main">
   <p:cSld>
     <p:spTree>
@@ -13449,118 +13548,6 @@
     <p:extLst>
       <p:ext uri="{BB962C8B-B14F-4D97-AF65-F5344CB8AC3E}">
         <p14:creationId xmlns:p14="http://schemas.microsoft.com/office/powerpoint/2010/main" val="925555141"/>
-      </p:ext>
-    </p:extLst>
-  </p:cSld>
-  <p:clrMapOvr>
-    <a:masterClrMapping/>
-  </p:clrMapOvr>
-</p:sld>
-</file>
-
-<file path=ppt/slides/slide19.xml><?xml version="1.0" encoding="utf-8"?>
-<p:sld xmlns:a="http://schemas.openxmlformats.org/drawingml/2006/main" xmlns:r="http://schemas.openxmlformats.org/officeDocument/2006/relationships" xmlns:p="http://schemas.openxmlformats.org/presentationml/2006/main">
-  <p:cSld>
-    <p:spTree>
-      <p:nvGrpSpPr>
-        <p:cNvPr id="1" name=""/>
-        <p:cNvGrpSpPr/>
-        <p:nvPr/>
-      </p:nvGrpSpPr>
-      <p:grpSpPr>
-        <a:xfrm>
-          <a:off x="0" y="0"/>
-          <a:ext cx="0" cy="0"/>
-          <a:chOff x="0" y="0"/>
-          <a:chExt cx="0" cy="0"/>
-        </a:xfrm>
-      </p:grpSpPr>
-      <p:sp>
-        <p:nvSpPr>
-          <p:cNvPr id="2" name="Título 1">
-            <a:extLst>
-              <a:ext uri="{FF2B5EF4-FFF2-40B4-BE49-F238E27FC236}">
-                <a16:creationId xmlns:a16="http://schemas.microsoft.com/office/drawing/2014/main" id="{CFC426CC-6878-4F4A-8491-D0AF98AF0991}"/>
-              </a:ext>
-            </a:extLst>
-          </p:cNvPr>
-          <p:cNvSpPr>
-            <a:spLocks noGrp="1"/>
-          </p:cNvSpPr>
-          <p:nvPr>
-            <p:ph type="title"/>
-          </p:nvPr>
-        </p:nvSpPr>
-        <p:spPr>
-          <a:xfrm>
-            <a:off x="583507" y="365760"/>
-            <a:ext cx="10371005" cy="1567171"/>
-          </a:xfrm>
-        </p:spPr>
-        <p:txBody>
-          <a:bodyPr vert="horz" lIns="91440" tIns="45720" rIns="91440" bIns="45720" rtlCol="0" anchor="ctr">
-            <a:normAutofit/>
-          </a:bodyPr>
-          <a:lstStyle/>
-          <a:p>
-            <a:pPr algn="ctr"/>
-            <a:r>
-              <a:rPr lang="pt-BR"/>
-              <a:t>Rede Neural com Camada Probabilística</a:t>
-            </a:r>
-          </a:p>
-        </p:txBody>
-      </p:sp>
-      <p:sp>
-        <p:nvSpPr>
-          <p:cNvPr id="9" name="Espaço Reservado para Conteúdo 8">
-            <a:extLst>
-              <a:ext uri="{FF2B5EF4-FFF2-40B4-BE49-F238E27FC236}">
-                <a16:creationId xmlns:a16="http://schemas.microsoft.com/office/drawing/2014/main" id="{8FE4907F-5FE1-427F-BFBB-D1E8ECE4E5CA}"/>
-              </a:ext>
-            </a:extLst>
-          </p:cNvPr>
-          <p:cNvSpPr>
-            <a:spLocks noGrp="1"/>
-          </p:cNvSpPr>
-          <p:nvPr>
-            <p:ph idx="1"/>
-          </p:nvPr>
-        </p:nvSpPr>
-        <p:spPr/>
-        <p:txBody>
-          <a:bodyPr vert="horz" lIns="91440" tIns="45720" rIns="91440" bIns="45720" rtlCol="0" anchor="t">
-            <a:normAutofit/>
-          </a:bodyPr>
-          <a:lstStyle/>
-          <a:p>
-            <a:pPr>
-              <a:buClr>
-                <a:srgbClr val="8AD0D6"/>
-              </a:buClr>
-            </a:pPr>
-            <a:r>
-              <a:rPr lang="pt-BR"/>
-              <a:t>Os parâmetros de uma f.d.p. são modelados (incerteza aleatória)</a:t>
-            </a:r>
-          </a:p>
-          <a:p>
-            <a:pPr>
-              <a:buClr>
-                <a:srgbClr val="8AD0D6"/>
-              </a:buClr>
-            </a:pPr>
-            <a:r>
-              <a:rPr lang="pt-BR"/>
-              <a:t>Rede Neural Bayesiana (incerteza epistêmica)</a:t>
-            </a:r>
-          </a:p>
-        </p:txBody>
-      </p:sp>
-    </p:spTree>
-    <p:extLst>
-      <p:ext uri="{BB962C8B-B14F-4D97-AF65-F5344CB8AC3E}">
-        <p14:creationId xmlns:p14="http://schemas.microsoft.com/office/powerpoint/2010/main" val="619477173"/>
       </p:ext>
     </p:extLst>
   </p:cSld>
@@ -13759,6 +13746,118 @@
 </file>
 
 <file path=ppt/slides/slide20.xml><?xml version="1.0" encoding="utf-8"?>
+<p:sld xmlns:a="http://schemas.openxmlformats.org/drawingml/2006/main" xmlns:r="http://schemas.openxmlformats.org/officeDocument/2006/relationships" xmlns:p="http://schemas.openxmlformats.org/presentationml/2006/main">
+  <p:cSld>
+    <p:spTree>
+      <p:nvGrpSpPr>
+        <p:cNvPr id="1" name=""/>
+        <p:cNvGrpSpPr/>
+        <p:nvPr/>
+      </p:nvGrpSpPr>
+      <p:grpSpPr>
+        <a:xfrm>
+          <a:off x="0" y="0"/>
+          <a:ext cx="0" cy="0"/>
+          <a:chOff x="0" y="0"/>
+          <a:chExt cx="0" cy="0"/>
+        </a:xfrm>
+      </p:grpSpPr>
+      <p:sp>
+        <p:nvSpPr>
+          <p:cNvPr id="2" name="Título 1">
+            <a:extLst>
+              <a:ext uri="{FF2B5EF4-FFF2-40B4-BE49-F238E27FC236}">
+                <a16:creationId xmlns:a16="http://schemas.microsoft.com/office/drawing/2014/main" id="{CFC426CC-6878-4F4A-8491-D0AF98AF0991}"/>
+              </a:ext>
+            </a:extLst>
+          </p:cNvPr>
+          <p:cNvSpPr>
+            <a:spLocks noGrp="1"/>
+          </p:cNvSpPr>
+          <p:nvPr>
+            <p:ph type="title"/>
+          </p:nvPr>
+        </p:nvSpPr>
+        <p:spPr>
+          <a:xfrm>
+            <a:off x="583507" y="365760"/>
+            <a:ext cx="10371005" cy="1567171"/>
+          </a:xfrm>
+        </p:spPr>
+        <p:txBody>
+          <a:bodyPr vert="horz" lIns="91440" tIns="45720" rIns="91440" bIns="45720" rtlCol="0" anchor="ctr">
+            <a:normAutofit/>
+          </a:bodyPr>
+          <a:lstStyle/>
+          <a:p>
+            <a:pPr algn="ctr"/>
+            <a:r>
+              <a:rPr lang="pt-BR"/>
+              <a:t>Rede Neural com Camada Probabilística</a:t>
+            </a:r>
+          </a:p>
+        </p:txBody>
+      </p:sp>
+      <p:sp>
+        <p:nvSpPr>
+          <p:cNvPr id="9" name="Espaço Reservado para Conteúdo 8">
+            <a:extLst>
+              <a:ext uri="{FF2B5EF4-FFF2-40B4-BE49-F238E27FC236}">
+                <a16:creationId xmlns:a16="http://schemas.microsoft.com/office/drawing/2014/main" id="{8FE4907F-5FE1-427F-BFBB-D1E8ECE4E5CA}"/>
+              </a:ext>
+            </a:extLst>
+          </p:cNvPr>
+          <p:cNvSpPr>
+            <a:spLocks noGrp="1"/>
+          </p:cNvSpPr>
+          <p:nvPr>
+            <p:ph idx="1"/>
+          </p:nvPr>
+        </p:nvSpPr>
+        <p:spPr/>
+        <p:txBody>
+          <a:bodyPr vert="horz" lIns="91440" tIns="45720" rIns="91440" bIns="45720" rtlCol="0" anchor="t">
+            <a:normAutofit/>
+          </a:bodyPr>
+          <a:lstStyle/>
+          <a:p>
+            <a:pPr>
+              <a:buClr>
+                <a:srgbClr val="8AD0D6"/>
+              </a:buClr>
+            </a:pPr>
+            <a:r>
+              <a:rPr lang="pt-BR"/>
+              <a:t>Os parâmetros de uma f.d.p. são modelados (incerteza aleatória)</a:t>
+            </a:r>
+          </a:p>
+          <a:p>
+            <a:pPr>
+              <a:buClr>
+                <a:srgbClr val="8AD0D6"/>
+              </a:buClr>
+            </a:pPr>
+            <a:r>
+              <a:rPr lang="pt-BR"/>
+              <a:t>Rede Neural Bayesiana (incerteza epistêmica)</a:t>
+            </a:r>
+          </a:p>
+        </p:txBody>
+      </p:sp>
+    </p:spTree>
+    <p:extLst>
+      <p:ext uri="{BB962C8B-B14F-4D97-AF65-F5344CB8AC3E}">
+        <p14:creationId xmlns:p14="http://schemas.microsoft.com/office/powerpoint/2010/main" val="619477173"/>
+      </p:ext>
+    </p:extLst>
+  </p:cSld>
+  <p:clrMapOvr>
+    <a:masterClrMapping/>
+  </p:clrMapOvr>
+</p:sld>
+</file>
+
+<file path=ppt/slides/slide21.xml><?xml version="1.0" encoding="utf-8"?>
 <p:sld xmlns:a="http://schemas.openxmlformats.org/drawingml/2006/main" xmlns:r="http://schemas.openxmlformats.org/officeDocument/2006/relationships" xmlns:p="http://schemas.openxmlformats.org/presentationml/2006/main">
   <p:cSld>
     <p:spTree>
@@ -13900,18 +13999,11 @@
           <a:p>
             <a:pPr algn="ctr"/>
             <a:r>
-              <a:rPr lang="pt-BR" dirty="0">
-                <a:ea typeface="+mj-lt"/>
-                <a:cs typeface="+mj-lt"/>
-              </a:rPr>
-              <a:t>Método por Retirada de Variável </a:t>
-            </a:r>
-            <a:r>
               <a:rPr lang="pt-BR">
                 <a:ea typeface="+mj-lt"/>
                 <a:cs typeface="+mj-lt"/>
               </a:rPr>
-              <a:t>para Classificação</a:t>
+              <a:t>Método por Retirada de Variável para Classificação</a:t>
             </a:r>
             <a:endParaRPr lang="pt-BR"/>
           </a:p>
@@ -14225,7 +14317,7 @@
               </a:spcAft>
             </a:pPr>
             <a:br>
-              <a:rPr lang="pt-BR" dirty="0">
+              <a:rPr lang="pt-BR">
                 <a:ea typeface="+mj-lt"/>
                 <a:cs typeface="+mj-lt"/>
               </a:rPr>
@@ -14243,7 +14335,7 @@
             </a:endParaRPr>
           </a:p>
           <a:p>
-            <a:endParaRPr lang="pt-BR" dirty="0"/>
+            <a:endParaRPr lang="pt-BR"/>
           </a:p>
         </p:txBody>
       </p:sp>
@@ -14501,14 +14593,14 @@
               <a:buAutoNum type="arabicPeriod"/>
             </a:pPr>
             <a:r>
-              <a:rPr lang="pt-BR">
+              <a:rPr lang="pt-BR" dirty="0">
                 <a:ea typeface="+mn-lt"/>
                 <a:cs typeface="+mn-lt"/>
               </a:rPr>
               <a:t>Se A aumentar e TFP diminuir e TFN diminuir =&gt; covariável </a:t>
             </a:r>
             <a:r>
-              <a:rPr lang="pt-BR">
+              <a:rPr lang="pt-BR" dirty="0">
                 <a:solidFill>
                   <a:srgbClr val="FF0000"/>
                 </a:solidFill>
@@ -14517,7 +14609,7 @@
               </a:rPr>
               <a:t>não importante</a:t>
             </a:r>
-            <a:endParaRPr lang="en-US">
+            <a:endParaRPr lang="en-US" dirty="0">
               <a:solidFill>
                 <a:srgbClr val="FF0000"/>
               </a:solidFill>
@@ -14530,14 +14622,14 @@
               <a:buAutoNum type="arabicPeriod"/>
             </a:pPr>
             <a:r>
-              <a:rPr lang="pt-BR">
+              <a:rPr lang="pt-BR" dirty="0">
                 <a:ea typeface="+mn-lt"/>
                 <a:cs typeface="+mn-lt"/>
               </a:rPr>
               <a:t>Se A aumentar e TFP aumentar e TFN diminuir =&gt; covariável </a:t>
             </a:r>
             <a:r>
-              <a:rPr lang="pt-BR">
+              <a:rPr lang="pt-BR" dirty="0">
                 <a:solidFill>
                   <a:srgbClr val="FF0000"/>
                 </a:solidFill>
@@ -14546,7 +14638,7 @@
               </a:rPr>
               <a:t>não importante</a:t>
             </a:r>
-            <a:endParaRPr lang="en-US">
+            <a:endParaRPr lang="en-US" dirty="0">
               <a:solidFill>
                 <a:srgbClr val="FF0000"/>
               </a:solidFill>
@@ -14559,14 +14651,14 @@
               <a:buAutoNum type="arabicPeriod"/>
             </a:pPr>
             <a:r>
-              <a:rPr lang="pt-BR">
+              <a:rPr lang="pt-BR" dirty="0">
                 <a:ea typeface="+mn-lt"/>
                 <a:cs typeface="+mn-lt"/>
               </a:rPr>
               <a:t>Se A diminuir e TFP aumentar e TFN aumentar =&gt; covariável </a:t>
             </a:r>
             <a:r>
-              <a:rPr lang="pt-BR">
+              <a:rPr lang="pt-BR" dirty="0">
                 <a:solidFill>
                   <a:srgbClr val="00B050"/>
                 </a:solidFill>
@@ -14575,7 +14667,7 @@
               </a:rPr>
               <a:t>importante</a:t>
             </a:r>
-            <a:endParaRPr lang="en-US">
+            <a:endParaRPr lang="en-US" dirty="0">
               <a:solidFill>
                 <a:srgbClr val="00B050"/>
               </a:solidFill>
@@ -14588,14 +14680,14 @@
               <a:buAutoNum type="arabicPeriod"/>
             </a:pPr>
             <a:r>
-              <a:rPr lang="pt-BR">
+              <a:rPr lang="pt-BR" dirty="0">
                 <a:ea typeface="+mn-lt"/>
                 <a:cs typeface="+mn-lt"/>
               </a:rPr>
               <a:t>Se A diminuir e TFP diminuir e TFN aumentar =&gt; covariável </a:t>
             </a:r>
             <a:r>
-              <a:rPr lang="pt-BR">
+              <a:rPr lang="pt-BR" dirty="0">
                 <a:solidFill>
                   <a:srgbClr val="00B050"/>
                 </a:solidFill>
@@ -14604,7 +14696,7 @@
               </a:rPr>
               <a:t>importante</a:t>
             </a:r>
-            <a:endParaRPr lang="en-US">
+            <a:endParaRPr lang="en-US" dirty="0">
               <a:solidFill>
                 <a:srgbClr val="00B050"/>
               </a:solidFill>
@@ -14617,13 +14709,13 @@
               <a:buAutoNum type="arabicPeriod"/>
             </a:pPr>
             <a:r>
-              <a:rPr lang="pt-BR">
+              <a:rPr lang="pt-BR" dirty="0">
                 <a:ea typeface="+mn-lt"/>
                 <a:cs typeface="+mn-lt"/>
               </a:rPr>
-              <a:t>Se A não alterar e TFP não alterar =&gt; covariável secundária</a:t>
-            </a:r>
-            <a:endParaRPr lang="en-US">
+              <a:t>Se A não alterar e TFP não alterar (iguais até 2ª casa decimal) =&gt; covariável secundária</a:t>
+            </a:r>
+            <a:endParaRPr lang="en-US" dirty="0">
               <a:ea typeface="+mn-lt"/>
               <a:cs typeface="+mn-lt"/>
             </a:endParaRPr>
@@ -14633,11 +14725,11 @@
               <a:buAutoNum type="arabicPeriod"/>
             </a:pPr>
             <a:r>
-              <a:rPr lang="pt-BR"/>
+              <a:rPr lang="pt-BR" dirty="0"/>
               <a:t>Caso contrário, covariável </a:t>
             </a:r>
             <a:r>
-              <a:rPr lang="pt-BR">
+              <a:rPr lang="pt-BR" dirty="0">
                 <a:solidFill>
                   <a:srgbClr val="FF0000"/>
                 </a:solidFill>
@@ -14848,7 +14940,7 @@
               <a:t>but</a:t>
             </a:r>
             <a:r>
-              <a:rPr lang="pt-BR" sz="1200" b="1" dirty="0">
+              <a:rPr lang="pt-BR" sz="1200" b="1">
                 <a:ea typeface="+mn-lt"/>
                 <a:cs typeface="+mn-lt"/>
               </a:rPr>
@@ -14986,7 +15078,7 @@
               <a:t>Obs.: Pode-se repetir o passo </a:t>
             </a:r>
             <a:r>
-              <a:rPr lang="pt-BR" b="1" dirty="0">
+              <a:rPr lang="pt-BR" b="1">
                 <a:ea typeface="+mn-lt"/>
                 <a:cs typeface="+mn-lt"/>
               </a:rPr>
@@ -15087,10 +15179,46 @@
       </p:grpSpPr>
       <p:sp>
         <p:nvSpPr>
-          <p:cNvPr id="8" name="Retângulo 7">
+          <p:cNvPr id="2" name="Título 1">
             <a:extLst>
               <a:ext uri="{FF2B5EF4-FFF2-40B4-BE49-F238E27FC236}">
-                <a16:creationId xmlns:a16="http://schemas.microsoft.com/office/drawing/2014/main" id="{7EE33F40-CE90-4F85-9540-72F8DE685CCD}"/>
+                <a16:creationId xmlns:a16="http://schemas.microsoft.com/office/drawing/2014/main" id="{9F8F91C5-71F5-464B-9A2E-56448FF9BCD7}"/>
+              </a:ext>
+            </a:extLst>
+          </p:cNvPr>
+          <p:cNvSpPr>
+            <a:spLocks noGrp="1"/>
+          </p:cNvSpPr>
+          <p:nvPr>
+            <p:ph type="title"/>
+          </p:nvPr>
+        </p:nvSpPr>
+        <p:spPr>
+          <a:xfrm>
+            <a:off x="643645" y="193232"/>
+            <a:ext cx="9692640" cy="1325562"/>
+          </a:xfrm>
+        </p:spPr>
+        <p:txBody>
+          <a:bodyPr vert="horz" lIns="91440" tIns="45720" rIns="91440" bIns="45720" rtlCol="0" anchor="ctr">
+            <a:normAutofit/>
+          </a:bodyPr>
+          <a:lstStyle/>
+          <a:p>
+            <a:pPr algn="ctr"/>
+            <a:r>
+              <a:rPr lang="pt-BR"/>
+              <a:t>Permutation Importance</a:t>
+            </a:r>
+          </a:p>
+        </p:txBody>
+      </p:sp>
+      <p:sp>
+        <p:nvSpPr>
+          <p:cNvPr id="6" name="Retângulo 5">
+            <a:extLst>
+              <a:ext uri="{FF2B5EF4-FFF2-40B4-BE49-F238E27FC236}">
+                <a16:creationId xmlns:a16="http://schemas.microsoft.com/office/drawing/2014/main" id="{9BDECE15-6405-42EA-8150-B2861983D56B}"/>
               </a:ext>
             </a:extLst>
           </p:cNvPr>
@@ -15099,8 +15227,8 @@
         </p:nvSpPr>
         <p:spPr>
           <a:xfrm>
-            <a:off x="434196" y="2137912"/>
-            <a:ext cx="10322942" cy="3191773"/>
+            <a:off x="750497" y="1160252"/>
+            <a:ext cx="9920376" cy="2846716"/>
           </a:xfrm>
           <a:prstGeom prst="rect">
             <a:avLst/>
@@ -15134,12 +15262,42 @@
           </a:p>
         </p:txBody>
       </p:sp>
+      <p:pic>
+        <p:nvPicPr>
+          <p:cNvPr id="3" name="Imagem 4">
+            <a:extLst>
+              <a:ext uri="{FF2B5EF4-FFF2-40B4-BE49-F238E27FC236}">
+                <a16:creationId xmlns:a16="http://schemas.microsoft.com/office/drawing/2014/main" id="{5FA881AB-B50C-46FA-9223-44BC18774844}"/>
+              </a:ext>
+            </a:extLst>
+          </p:cNvPr>
+          <p:cNvPicPr>
+            <a:picLocks noChangeAspect="1"/>
+          </p:cNvPicPr>
+          <p:nvPr/>
+        </p:nvPicPr>
+        <p:blipFill>
+          <a:blip r:embed="rId2"/>
+          <a:stretch>
+            <a:fillRect/>
+          </a:stretch>
+        </p:blipFill>
+        <p:spPr>
+          <a:xfrm>
+            <a:off x="1662022" y="1237215"/>
+            <a:ext cx="8019688" cy="2701419"/>
+          </a:xfrm>
+          <a:prstGeom prst="rect">
+            <a:avLst/>
+          </a:prstGeom>
+        </p:spPr>
+      </p:pic>
       <p:sp>
         <p:nvSpPr>
-          <p:cNvPr id="2" name="Título 1">
+          <p:cNvPr id="7" name="Espaço Reservado para Conteúdo 6">
             <a:extLst>
               <a:ext uri="{FF2B5EF4-FFF2-40B4-BE49-F238E27FC236}">
-                <a16:creationId xmlns:a16="http://schemas.microsoft.com/office/drawing/2014/main" id="{9F8F91C5-71F5-464B-9A2E-56448FF9BCD7}"/>
+                <a16:creationId xmlns:a16="http://schemas.microsoft.com/office/drawing/2014/main" id="{849AFE69-FCEB-4F2F-8E67-44FE28F8204C}"/>
               </a:ext>
             </a:extLst>
           </p:cNvPr>
@@ -15147,35 +15305,197 @@
             <a:spLocks noGrp="1"/>
           </p:cNvSpPr>
           <p:nvPr>
-            <p:ph type="title"/>
+            <p:ph idx="1"/>
           </p:nvPr>
+        </p:nvSpPr>
+        <p:spPr/>
+        <p:txBody>
+          <a:bodyPr/>
+          <a:lstStyle/>
+          <a:p>
+            <a:endParaRPr lang="pt-BR"/>
+          </a:p>
+        </p:txBody>
+      </p:sp>
+    </p:spTree>
+    <p:extLst>
+      <p:ext uri="{BB962C8B-B14F-4D97-AF65-F5344CB8AC3E}">
+        <p14:creationId xmlns:p14="http://schemas.microsoft.com/office/powerpoint/2010/main" val="390057855"/>
+      </p:ext>
+    </p:extLst>
+  </p:cSld>
+  <p:clrMapOvr>
+    <a:masterClrMapping/>
+  </p:clrMapOvr>
+</p:sld>
+</file>
+
+<file path=ppt/slides/slide8.xml><?xml version="1.0" encoding="utf-8"?>
+<p:sld xmlns:a="http://schemas.openxmlformats.org/drawingml/2006/main" xmlns:r="http://schemas.openxmlformats.org/officeDocument/2006/relationships" xmlns:p="http://schemas.openxmlformats.org/presentationml/2006/main">
+  <p:cSld>
+    <p:spTree>
+      <p:nvGrpSpPr>
+        <p:cNvPr id="1" name=""/>
+        <p:cNvGrpSpPr/>
+        <p:nvPr/>
+      </p:nvGrpSpPr>
+      <p:grpSpPr>
+        <a:xfrm>
+          <a:off x="0" y="0"/>
+          <a:ext cx="0" cy="0"/>
+          <a:chOff x="0" y="0"/>
+          <a:chExt cx="0" cy="0"/>
+        </a:xfrm>
+      </p:grpSpPr>
+      <p:sp>
+        <p:nvSpPr>
+          <p:cNvPr id="4" name="Retângulo 3">
+            <a:extLst>
+              <a:ext uri="{FF2B5EF4-FFF2-40B4-BE49-F238E27FC236}">
+                <a16:creationId xmlns:a16="http://schemas.microsoft.com/office/drawing/2014/main" id="{8E5AA9D1-A3D4-4E78-B61A-9EF3815D3133}"/>
+              </a:ext>
+            </a:extLst>
+          </p:cNvPr>
+          <p:cNvSpPr/>
+          <p:nvPr/>
         </p:nvSpPr>
         <p:spPr>
           <a:xfrm>
-            <a:off x="643645" y="193232"/>
-            <a:ext cx="9692640" cy="1325562"/>
+            <a:off x="678610" y="2022892"/>
+            <a:ext cx="9920376" cy="2530415"/>
           </a:xfrm>
+          <a:prstGeom prst="rect">
+            <a:avLst/>
+          </a:prstGeom>
+          <a:solidFill>
+            <a:schemeClr val="tx1"/>
+          </a:solidFill>
         </p:spPr>
+        <p:style>
+          <a:lnRef idx="2">
+            <a:schemeClr val="accent1">
+              <a:shade val="50000"/>
+            </a:schemeClr>
+          </a:lnRef>
+          <a:fillRef idx="1">
+            <a:schemeClr val="accent1"/>
+          </a:fillRef>
+          <a:effectRef idx="0">
+            <a:schemeClr val="accent1"/>
+          </a:effectRef>
+          <a:fontRef idx="minor">
+            <a:schemeClr val="lt1"/>
+          </a:fontRef>
+        </p:style>
         <p:txBody>
-          <a:bodyPr vert="horz" lIns="91440" tIns="45720" rIns="91440" bIns="45720" rtlCol="0" anchor="ctr">
-            <a:normAutofit/>
-          </a:bodyPr>
-          <a:lstStyle/>
+          <a:bodyPr rtlCol="0" anchor="ctr"/>
+          <a:lstStyle>
+            <a:defPPr>
+              <a:defRPr lang="en-US"/>
+            </a:defPPr>
+            <a:lvl1pPr marL="0" algn="l" defTabSz="457200" rtl="0" eaLnBrk="1" latinLnBrk="0" hangingPunct="1">
+              <a:defRPr sz="1800" kern="1200">
+                <a:solidFill>
+                  <a:schemeClr val="lt1"/>
+                </a:solidFill>
+                <a:latin typeface="+mn-lt"/>
+                <a:ea typeface="+mn-ea"/>
+                <a:cs typeface="+mn-cs"/>
+              </a:defRPr>
+            </a:lvl1pPr>
+            <a:lvl2pPr marL="457200" algn="l" defTabSz="457200" rtl="0" eaLnBrk="1" latinLnBrk="0" hangingPunct="1">
+              <a:defRPr sz="1800" kern="1200">
+                <a:solidFill>
+                  <a:schemeClr val="lt1"/>
+                </a:solidFill>
+                <a:latin typeface="+mn-lt"/>
+                <a:ea typeface="+mn-ea"/>
+                <a:cs typeface="+mn-cs"/>
+              </a:defRPr>
+            </a:lvl2pPr>
+            <a:lvl3pPr marL="914400" algn="l" defTabSz="457200" rtl="0" eaLnBrk="1" latinLnBrk="0" hangingPunct="1">
+              <a:defRPr sz="1800" kern="1200">
+                <a:solidFill>
+                  <a:schemeClr val="lt1"/>
+                </a:solidFill>
+                <a:latin typeface="+mn-lt"/>
+                <a:ea typeface="+mn-ea"/>
+                <a:cs typeface="+mn-cs"/>
+              </a:defRPr>
+            </a:lvl3pPr>
+            <a:lvl4pPr marL="1371600" algn="l" defTabSz="457200" rtl="0" eaLnBrk="1" latinLnBrk="0" hangingPunct="1">
+              <a:defRPr sz="1800" kern="1200">
+                <a:solidFill>
+                  <a:schemeClr val="lt1"/>
+                </a:solidFill>
+                <a:latin typeface="+mn-lt"/>
+                <a:ea typeface="+mn-ea"/>
+                <a:cs typeface="+mn-cs"/>
+              </a:defRPr>
+            </a:lvl4pPr>
+            <a:lvl5pPr marL="1828800" algn="l" defTabSz="457200" rtl="0" eaLnBrk="1" latinLnBrk="0" hangingPunct="1">
+              <a:defRPr sz="1800" kern="1200">
+                <a:solidFill>
+                  <a:schemeClr val="lt1"/>
+                </a:solidFill>
+                <a:latin typeface="+mn-lt"/>
+                <a:ea typeface="+mn-ea"/>
+                <a:cs typeface="+mn-cs"/>
+              </a:defRPr>
+            </a:lvl5pPr>
+            <a:lvl6pPr marL="2286000" algn="l" defTabSz="457200" rtl="0" eaLnBrk="1" latinLnBrk="0" hangingPunct="1">
+              <a:defRPr sz="1800" kern="1200">
+                <a:solidFill>
+                  <a:schemeClr val="lt1"/>
+                </a:solidFill>
+                <a:latin typeface="+mn-lt"/>
+                <a:ea typeface="+mn-ea"/>
+                <a:cs typeface="+mn-cs"/>
+              </a:defRPr>
+            </a:lvl6pPr>
+            <a:lvl7pPr marL="2743200" algn="l" defTabSz="457200" rtl="0" eaLnBrk="1" latinLnBrk="0" hangingPunct="1">
+              <a:defRPr sz="1800" kern="1200">
+                <a:solidFill>
+                  <a:schemeClr val="lt1"/>
+                </a:solidFill>
+                <a:latin typeface="+mn-lt"/>
+                <a:ea typeface="+mn-ea"/>
+                <a:cs typeface="+mn-cs"/>
+              </a:defRPr>
+            </a:lvl7pPr>
+            <a:lvl8pPr marL="3200400" algn="l" defTabSz="457200" rtl="0" eaLnBrk="1" latinLnBrk="0" hangingPunct="1">
+              <a:defRPr sz="1800" kern="1200">
+                <a:solidFill>
+                  <a:schemeClr val="lt1"/>
+                </a:solidFill>
+                <a:latin typeface="+mn-lt"/>
+                <a:ea typeface="+mn-ea"/>
+                <a:cs typeface="+mn-cs"/>
+              </a:defRPr>
+            </a:lvl8pPr>
+            <a:lvl9pPr marL="3657600" algn="l" defTabSz="457200" rtl="0" eaLnBrk="1" latinLnBrk="0" hangingPunct="1">
+              <a:defRPr sz="1800" kern="1200">
+                <a:solidFill>
+                  <a:schemeClr val="lt1"/>
+                </a:solidFill>
+                <a:latin typeface="+mn-lt"/>
+                <a:ea typeface="+mn-ea"/>
+                <a:cs typeface="+mn-cs"/>
+              </a:defRPr>
+            </a:lvl9pPr>
+          </a:lstStyle>
           <a:p>
             <a:pPr algn="ctr"/>
-            <a:r>
-              <a:rPr lang="pt-BR"/>
-              <a:t>Permutation Importance</a:t>
-            </a:r>
+            <a:endParaRPr lang="pt-BR"/>
           </a:p>
         </p:txBody>
       </p:sp>
       <p:pic>
         <p:nvPicPr>
-          <p:cNvPr id="4" name="Imagem 4" descr="Uma imagem contendo Diagrama&#10;&#10;Descrição gerada automaticamente">
+          <p:cNvPr id="5" name="Imagem 5" descr="Uma imagem contendo Diagrama&#10;&#10;Descrição gerada automaticamente">
             <a:extLst>
               <a:ext uri="{FF2B5EF4-FFF2-40B4-BE49-F238E27FC236}">
-                <a16:creationId xmlns:a16="http://schemas.microsoft.com/office/drawing/2014/main" id="{498E6E54-D004-4755-B8F6-4228D2DB7961}"/>
+                <a16:creationId xmlns:a16="http://schemas.microsoft.com/office/drawing/2014/main" id="{8F3DB1FC-D60C-4F54-995D-2F5E1A04F65E}"/>
               </a:ext>
             </a:extLst>
           </p:cNvPr>
@@ -15194,15 +15514,15 @@
         </p:blipFill>
         <p:spPr>
           <a:xfrm>
-            <a:off x="851507" y="2177556"/>
-            <a:ext cx="9689260" cy="3093108"/>
+            <a:off x="1468025" y="1980586"/>
+            <a:ext cx="8010525" cy="2581275"/>
           </a:xfrm>
         </p:spPr>
       </p:pic>
     </p:spTree>
     <p:extLst>
       <p:ext uri="{BB962C8B-B14F-4D97-AF65-F5344CB8AC3E}">
-        <p14:creationId xmlns:p14="http://schemas.microsoft.com/office/powerpoint/2010/main" val="390057855"/>
+        <p14:creationId xmlns:p14="http://schemas.microsoft.com/office/powerpoint/2010/main" val="3695345281"/>
       </p:ext>
     </p:extLst>
   </p:cSld>
@@ -15212,7 +15532,7 @@
 </p:sld>
 </file>
 
-<file path=ppt/slides/slide8.xml><?xml version="1.0" encoding="utf-8"?>
+<file path=ppt/slides/slide9.xml><?xml version="1.0" encoding="utf-8"?>
 <p:sld xmlns:a="http://schemas.openxmlformats.org/drawingml/2006/main" xmlns:r="http://schemas.openxmlformats.org/officeDocument/2006/relationships" xmlns:p="http://schemas.openxmlformats.org/presentationml/2006/main">
   <p:cSld>
     <p:spTree>
@@ -15349,7 +15669,7 @@
               <a:buChar char="Ø"/>
             </a:pPr>
             <a:r>
-              <a:rPr lang="pt-BR" dirty="0"/>
+              <a:rPr lang="pt-BR"/>
               <a:t>Pode ser usado para diferentes tipos de problemas</a:t>
             </a:r>
           </a:p>
@@ -15359,12 +15679,8 @@
               <a:buChar char="Ø"/>
             </a:pPr>
             <a:r>
-              <a:rPr lang="pt-BR" dirty="0"/>
-              <a:t>Ideia do comportamento global do </a:t>
-            </a:r>
-            <a:r>
               <a:rPr lang="pt-BR"/>
-              <a:t>modelo</a:t>
+              <a:t>Ideia do comportamento global do modelo</a:t>
             </a:r>
           </a:p>
           <a:p>
@@ -15442,7 +15758,6 @@
               <a:rPr lang="pt-BR"/>
               <a:t>Ainda está ligado à(s) métrica(s) escolhida(s)</a:t>
             </a:r>
-            <a:endParaRPr lang="pt-BR" dirty="0"/>
           </a:p>
           <a:p>
             <a:pPr>
@@ -15450,7 +15765,7 @@
               <a:buChar char="Ø"/>
             </a:pPr>
             <a:r>
-              <a:rPr lang="pt-BR" dirty="0"/>
+              <a:rPr lang="pt-BR"/>
               <a:t>Necessariamente precisa do valor observado da variável resposta</a:t>
             </a:r>
           </a:p>
@@ -15460,14 +15775,9 @@
               <a:buChar char="Ø"/>
             </a:pPr>
             <a:r>
-              <a:rPr lang="pt-BR" dirty="0"/>
-              <a:t>Pode ser viesado em caso de correlação entre </a:t>
-            </a:r>
-            <a:r>
               <a:rPr lang="pt-BR"/>
-              <a:t>variáveis explicativas</a:t>
-            </a:r>
-            <a:endParaRPr lang="pt-BR" dirty="0"/>
+              <a:t>Pode ser viesado em caso de correlação entre variáveis explicativas</a:t>
+            </a:r>
           </a:p>
           <a:p>
             <a:pPr>
@@ -15475,7 +15785,7 @@
               <a:buChar char="Ø"/>
             </a:pPr>
             <a:r>
-              <a:rPr lang="pt-BR" dirty="0"/>
+              <a:rPr lang="pt-BR"/>
               <a:t>Dividir importância entre variáveis correlacionadas</a:t>
             </a:r>
           </a:p>
@@ -15485,103 +15795,6 @@
     <p:extLst>
       <p:ext uri="{BB962C8B-B14F-4D97-AF65-F5344CB8AC3E}">
         <p14:creationId xmlns:p14="http://schemas.microsoft.com/office/powerpoint/2010/main" val="3499796127"/>
-      </p:ext>
-    </p:extLst>
-  </p:cSld>
-  <p:clrMapOvr>
-    <a:masterClrMapping/>
-  </p:clrMapOvr>
-</p:sld>
-</file>
-
-<file path=ppt/slides/slide9.xml><?xml version="1.0" encoding="utf-8"?>
-<p:sld xmlns:a="http://schemas.openxmlformats.org/drawingml/2006/main" xmlns:r="http://schemas.openxmlformats.org/officeDocument/2006/relationships" xmlns:p="http://schemas.openxmlformats.org/presentationml/2006/main">
-  <p:cSld>
-    <p:spTree>
-      <p:nvGrpSpPr>
-        <p:cNvPr id="1" name=""/>
-        <p:cNvGrpSpPr/>
-        <p:nvPr/>
-      </p:nvGrpSpPr>
-      <p:grpSpPr>
-        <a:xfrm>
-          <a:off x="0" y="0"/>
-          <a:ext cx="0" cy="0"/>
-          <a:chOff x="0" y="0"/>
-          <a:chExt cx="0" cy="0"/>
-        </a:xfrm>
-      </p:grpSpPr>
-      <p:sp>
-        <p:nvSpPr>
-          <p:cNvPr id="2" name="Título 1">
-            <a:extLst>
-              <a:ext uri="{FF2B5EF4-FFF2-40B4-BE49-F238E27FC236}">
-                <a16:creationId xmlns:a16="http://schemas.microsoft.com/office/drawing/2014/main" id="{8F03A333-F885-455D-9B13-AA7BF7BEEBB1}"/>
-              </a:ext>
-            </a:extLst>
-          </p:cNvPr>
-          <p:cNvSpPr>
-            <a:spLocks noGrp="1"/>
-          </p:cNvSpPr>
-          <p:nvPr>
-            <p:ph type="title"/>
-          </p:nvPr>
-        </p:nvSpPr>
-        <p:spPr>
-          <a:xfrm>
-            <a:off x="1261872" y="365760"/>
-            <a:ext cx="8595195" cy="1325562"/>
-          </a:xfrm>
-        </p:spPr>
-        <p:txBody>
-          <a:bodyPr vert="horz" lIns="91440" tIns="45720" rIns="91440" bIns="45720" rtlCol="0" anchor="ctr">
-            <a:normAutofit/>
-          </a:bodyPr>
-          <a:lstStyle/>
-          <a:p>
-            <a:pPr algn="ctr"/>
-            <a:r>
-              <a:rPr lang="pt-BR"/>
-              <a:t>Medição de Incerteza</a:t>
-            </a:r>
-          </a:p>
-        </p:txBody>
-      </p:sp>
-      <p:graphicFrame>
-        <p:nvGraphicFramePr>
-          <p:cNvPr id="6" name="Espaço Reservado para Conteúdo 2">
-            <a:extLst>
-              <a:ext uri="{FF2B5EF4-FFF2-40B4-BE49-F238E27FC236}">
-                <a16:creationId xmlns:a16="http://schemas.microsoft.com/office/drawing/2014/main" id="{E95554FE-7498-412B-8B86-42008355C6F4}"/>
-              </a:ext>
-            </a:extLst>
-          </p:cNvPr>
-          <p:cNvGraphicFramePr>
-            <a:graphicFrameLocks noGrp="1"/>
-          </p:cNvGraphicFramePr>
-          <p:nvPr>
-            <p:ph idx="1"/>
-            <p:extLst>
-              <p:ext uri="{D42A27DB-BD31-4B8C-83A1-F6EECF244321}">
-                <p14:modId xmlns:p14="http://schemas.microsoft.com/office/powerpoint/2010/main" val="3909476778"/>
-              </p:ext>
-            </p:extLst>
-          </p:nvPr>
-        </p:nvGraphicFramePr>
-        <p:xfrm>
-          <a:off x="1261872" y="1828800"/>
-          <a:ext cx="8595360" cy="4351337"/>
-        </p:xfrm>
-        <a:graphic>
-          <a:graphicData uri="http://schemas.openxmlformats.org/drawingml/2006/diagram">
-            <dgm:relIds xmlns:dgm="http://schemas.openxmlformats.org/drawingml/2006/diagram" xmlns:r="http://schemas.openxmlformats.org/officeDocument/2006/relationships" r:dm="rId2" r:lo="rId3" r:qs="rId4" r:cs="rId5"/>
-          </a:graphicData>
-        </a:graphic>
-      </p:graphicFrame>
-    </p:spTree>
-    <p:extLst>
-      <p:ext uri="{BB962C8B-B14F-4D97-AF65-F5344CB8AC3E}">
-        <p14:creationId xmlns:p14="http://schemas.microsoft.com/office/powerpoint/2010/main" val="3593911700"/>
       </p:ext>
     </p:extLst>
   </p:cSld>

--- a/Topicos - Interpretacao e Incerteza em RNA.pptx
+++ b/Topicos - Interpretacao e Incerteza em RNA.pptx
@@ -15207,9 +15207,18 @@
           <a:p>
             <a:pPr algn="ctr"/>
             <a:r>
-              <a:rPr lang="pt-BR"/>
-              <a:t>Permutation Importance</a:t>
-            </a:r>
+              <a:rPr lang="pt-BR" dirty="0" err="1"/>
+              <a:t>Permutation</a:t>
+            </a:r>
+            <a:r>
+              <a:rPr lang="pt-BR" dirty="0"/>
+              <a:t> </a:t>
+            </a:r>
+            <a:r>
+              <a:rPr lang="pt-BR" dirty="0" err="1"/>
+              <a:t>Importance</a:t>
+            </a:r>
+            <a:endParaRPr lang="pt-BR" dirty="0"/>
           </a:p>
         </p:txBody>
       </p:sp>
@@ -15227,7 +15236,7 @@
         </p:nvSpPr>
         <p:spPr>
           <a:xfrm>
-            <a:off x="750497" y="1160252"/>
+            <a:off x="711678" y="1157752"/>
             <a:ext cx="9920376" cy="2846716"/>
           </a:xfrm>
           <a:prstGeom prst="rect">
@@ -15292,31 +15301,6 @@
           </a:prstGeom>
         </p:spPr>
       </p:pic>
-      <p:sp>
-        <p:nvSpPr>
-          <p:cNvPr id="7" name="Espaço Reservado para Conteúdo 6">
-            <a:extLst>
-              <a:ext uri="{FF2B5EF4-FFF2-40B4-BE49-F238E27FC236}">
-                <a16:creationId xmlns:a16="http://schemas.microsoft.com/office/drawing/2014/main" id="{849AFE69-FCEB-4F2F-8E67-44FE28F8204C}"/>
-              </a:ext>
-            </a:extLst>
-          </p:cNvPr>
-          <p:cNvSpPr>
-            <a:spLocks noGrp="1"/>
-          </p:cNvSpPr>
-          <p:nvPr>
-            <p:ph idx="1"/>
-          </p:nvPr>
-        </p:nvSpPr>
-        <p:spPr/>
-        <p:txBody>
-          <a:bodyPr/>
-          <a:lstStyle/>
-          <a:p>
-            <a:endParaRPr lang="pt-BR"/>
-          </a:p>
-        </p:txBody>
-      </p:sp>
     </p:spTree>
     <p:extLst>
       <p:ext uri="{BB962C8B-B14F-4D97-AF65-F5344CB8AC3E}">
@@ -15361,7 +15345,7 @@
         </p:nvSpPr>
         <p:spPr>
           <a:xfrm>
-            <a:off x="678610" y="2022892"/>
+            <a:off x="638088" y="1586794"/>
             <a:ext cx="9920376" cy="2530415"/>
           </a:xfrm>
           <a:prstGeom prst="rect">
@@ -15514,11 +15498,56 @@
         </p:blipFill>
         <p:spPr>
           <a:xfrm>
-            <a:off x="1468025" y="1980586"/>
+            <a:off x="1593013" y="1640359"/>
             <a:ext cx="8010525" cy="2581275"/>
           </a:xfrm>
         </p:spPr>
       </p:pic>
+      <p:sp>
+        <p:nvSpPr>
+          <p:cNvPr id="7" name="Título 1">
+            <a:extLst>
+              <a:ext uri="{FF2B5EF4-FFF2-40B4-BE49-F238E27FC236}">
+                <a16:creationId xmlns:a16="http://schemas.microsoft.com/office/drawing/2014/main" id="{C0CF4EB4-FB35-493E-8D2A-66284E498827}"/>
+              </a:ext>
+            </a:extLst>
+          </p:cNvPr>
+          <p:cNvSpPr>
+            <a:spLocks noGrp="1"/>
+          </p:cNvSpPr>
+          <p:nvPr>
+            <p:ph type="title"/>
+          </p:nvPr>
+        </p:nvSpPr>
+        <p:spPr>
+          <a:xfrm>
+            <a:off x="1018888" y="156807"/>
+            <a:ext cx="9692640" cy="1325562"/>
+          </a:xfrm>
+        </p:spPr>
+        <p:txBody>
+          <a:bodyPr vert="horz" lIns="91440" tIns="45720" rIns="91440" bIns="45720" rtlCol="0" anchor="ctr">
+            <a:normAutofit/>
+          </a:bodyPr>
+          <a:lstStyle/>
+          <a:p>
+            <a:pPr algn="ctr"/>
+            <a:r>
+              <a:rPr lang="pt-BR" dirty="0" err="1"/>
+              <a:t>Permutation</a:t>
+            </a:r>
+            <a:r>
+              <a:rPr lang="pt-BR" dirty="0"/>
+              <a:t> </a:t>
+            </a:r>
+            <a:r>
+              <a:rPr lang="pt-BR" dirty="0" err="1"/>
+              <a:t>Importance</a:t>
+            </a:r>
+            <a:endParaRPr lang="pt-BR" dirty="0"/>
+          </a:p>
+        </p:txBody>
+      </p:sp>
     </p:spTree>
     <p:extLst>
       <p:ext uri="{BB962C8B-B14F-4D97-AF65-F5344CB8AC3E}">
